--- a/docs/reviews/InitialReview.pptx
+++ b/docs/reviews/InitialReview.pptx
@@ -116,6 +116,11 @@
       </a:defRPr>
     </a:lvl9pPr>
   </p:defaultTextStyle>
+  <p:extLst>
+    <p:ext uri="{EFAFB233-063F-42B5-8137-9DF3F51BA10A}">
+      <p15:sldGuideLst xmlns:p15="http://schemas.microsoft.com/office/powerpoint/2012/main"/>
+    </p:ext>
+  </p:extLst>
 </p:presentation>
 </file>
 
@@ -6960,12 +6965,257 @@
           </a:p>
         </p:txBody>
       </p:sp>
+      <p:sp>
+        <p:nvSpPr>
+          <p:cNvPr id="8" name="Content Placeholder 2">
+            <a:extLst>
+              <a:ext uri="{FF2B5EF4-FFF2-40B4-BE49-F238E27FC236}">
+                <a16:creationId xmlns:a16="http://schemas.microsoft.com/office/drawing/2014/main" id="{8D5F033E-DDEC-6FC9-3404-F2867F80FE81}"/>
+              </a:ext>
+            </a:extLst>
+          </p:cNvPr>
+          <p:cNvSpPr txBox="1">
+            <a:spLocks/>
+          </p:cNvSpPr>
+          <p:nvPr/>
+        </p:nvSpPr>
+        <p:spPr>
+          <a:xfrm>
+            <a:off x="8912352" y="530352"/>
+            <a:ext cx="3090672" cy="5825998"/>
+          </a:xfrm>
+          <a:prstGeom prst="rect">
+            <a:avLst/>
+          </a:prstGeom>
+        </p:spPr>
+        <p:txBody>
+          <a:bodyPr vert="horz" lIns="91440" tIns="45720" rIns="91440" bIns="45720" rtlCol="0">
+            <a:normAutofit/>
+          </a:bodyPr>
+          <a:lstStyle>
+            <a:lvl1pPr marL="0" indent="0" algn="ctr" defTabSz="914400" rtl="0" eaLnBrk="1" latinLnBrk="0" hangingPunct="1">
+              <a:lnSpc>
+                <a:spcPct val="90000"/>
+              </a:lnSpc>
+              <a:spcBef>
+                <a:spcPts val="1000"/>
+              </a:spcBef>
+              <a:buFont typeface="Arial" panose="020B0604020202020204" pitchFamily="34" charset="0"/>
+              <a:buNone/>
+              <a:defRPr sz="2400" kern="1200">
+                <a:solidFill>
+                  <a:schemeClr val="tx1"/>
+                </a:solidFill>
+                <a:latin typeface="+mn-lt"/>
+                <a:ea typeface="+mn-ea"/>
+                <a:cs typeface="+mn-cs"/>
+              </a:defRPr>
+            </a:lvl1pPr>
+            <a:lvl2pPr marL="457200" indent="0" algn="ctr" defTabSz="914400" rtl="0" eaLnBrk="1" latinLnBrk="0" hangingPunct="1">
+              <a:lnSpc>
+                <a:spcPct val="90000"/>
+              </a:lnSpc>
+              <a:spcBef>
+                <a:spcPts val="500"/>
+              </a:spcBef>
+              <a:buFont typeface="Arial" panose="020B0604020202020204" pitchFamily="34" charset="0"/>
+              <a:buNone/>
+              <a:defRPr sz="2000" kern="1200">
+                <a:solidFill>
+                  <a:schemeClr val="tx1"/>
+                </a:solidFill>
+                <a:latin typeface="+mn-lt"/>
+                <a:ea typeface="+mn-ea"/>
+                <a:cs typeface="+mn-cs"/>
+              </a:defRPr>
+            </a:lvl2pPr>
+            <a:lvl3pPr marL="914400" indent="0" algn="ctr" defTabSz="914400" rtl="0" eaLnBrk="1" latinLnBrk="0" hangingPunct="1">
+              <a:lnSpc>
+                <a:spcPct val="90000"/>
+              </a:lnSpc>
+              <a:spcBef>
+                <a:spcPts val="500"/>
+              </a:spcBef>
+              <a:buFont typeface="Arial" panose="020B0604020202020204" pitchFamily="34" charset="0"/>
+              <a:buNone/>
+              <a:defRPr sz="1800" kern="1200">
+                <a:solidFill>
+                  <a:schemeClr val="tx1"/>
+                </a:solidFill>
+                <a:latin typeface="+mn-lt"/>
+                <a:ea typeface="+mn-ea"/>
+                <a:cs typeface="+mn-cs"/>
+              </a:defRPr>
+            </a:lvl3pPr>
+            <a:lvl4pPr marL="1371600" indent="0" algn="ctr" defTabSz="914400" rtl="0" eaLnBrk="1" latinLnBrk="0" hangingPunct="1">
+              <a:lnSpc>
+                <a:spcPct val="90000"/>
+              </a:lnSpc>
+              <a:spcBef>
+                <a:spcPts val="500"/>
+              </a:spcBef>
+              <a:buFont typeface="Arial" panose="020B0604020202020204" pitchFamily="34" charset="0"/>
+              <a:buNone/>
+              <a:defRPr sz="1600" kern="1200">
+                <a:solidFill>
+                  <a:schemeClr val="tx1"/>
+                </a:solidFill>
+                <a:latin typeface="+mn-lt"/>
+                <a:ea typeface="+mn-ea"/>
+                <a:cs typeface="+mn-cs"/>
+              </a:defRPr>
+            </a:lvl4pPr>
+            <a:lvl5pPr marL="1828800" indent="0" algn="ctr" defTabSz="914400" rtl="0" eaLnBrk="1" latinLnBrk="0" hangingPunct="1">
+              <a:lnSpc>
+                <a:spcPct val="90000"/>
+              </a:lnSpc>
+              <a:spcBef>
+                <a:spcPts val="500"/>
+              </a:spcBef>
+              <a:buFont typeface="Arial" panose="020B0604020202020204" pitchFamily="34" charset="0"/>
+              <a:buNone/>
+              <a:defRPr sz="1600" kern="1200">
+                <a:solidFill>
+                  <a:schemeClr val="tx1"/>
+                </a:solidFill>
+                <a:latin typeface="+mn-lt"/>
+                <a:ea typeface="+mn-ea"/>
+                <a:cs typeface="+mn-cs"/>
+              </a:defRPr>
+            </a:lvl5pPr>
+            <a:lvl6pPr marL="2286000" indent="0" algn="ctr" defTabSz="914400" rtl="0" eaLnBrk="1" latinLnBrk="0" hangingPunct="1">
+              <a:lnSpc>
+                <a:spcPct val="90000"/>
+              </a:lnSpc>
+              <a:spcBef>
+                <a:spcPts val="500"/>
+              </a:spcBef>
+              <a:buFont typeface="Arial" panose="020B0604020202020204" pitchFamily="34" charset="0"/>
+              <a:buNone/>
+              <a:defRPr sz="1600" kern="1200">
+                <a:solidFill>
+                  <a:schemeClr val="tx1"/>
+                </a:solidFill>
+                <a:latin typeface="+mn-lt"/>
+                <a:ea typeface="+mn-ea"/>
+                <a:cs typeface="+mn-cs"/>
+              </a:defRPr>
+            </a:lvl6pPr>
+            <a:lvl7pPr marL="2743200" indent="0" algn="ctr" defTabSz="914400" rtl="0" eaLnBrk="1" latinLnBrk="0" hangingPunct="1">
+              <a:lnSpc>
+                <a:spcPct val="90000"/>
+              </a:lnSpc>
+              <a:spcBef>
+                <a:spcPts val="500"/>
+              </a:spcBef>
+              <a:buFont typeface="Arial" panose="020B0604020202020204" pitchFamily="34" charset="0"/>
+              <a:buNone/>
+              <a:defRPr sz="1600" kern="1200">
+                <a:solidFill>
+                  <a:schemeClr val="tx1"/>
+                </a:solidFill>
+                <a:latin typeface="+mn-lt"/>
+                <a:ea typeface="+mn-ea"/>
+                <a:cs typeface="+mn-cs"/>
+              </a:defRPr>
+            </a:lvl7pPr>
+            <a:lvl8pPr marL="3200400" indent="0" algn="ctr" defTabSz="914400" rtl="0" eaLnBrk="1" latinLnBrk="0" hangingPunct="1">
+              <a:lnSpc>
+                <a:spcPct val="90000"/>
+              </a:lnSpc>
+              <a:spcBef>
+                <a:spcPts val="500"/>
+              </a:spcBef>
+              <a:buFont typeface="Arial" panose="020B0604020202020204" pitchFamily="34" charset="0"/>
+              <a:buNone/>
+              <a:defRPr sz="1600" kern="1200">
+                <a:solidFill>
+                  <a:schemeClr val="tx1"/>
+                </a:solidFill>
+                <a:latin typeface="+mn-lt"/>
+                <a:ea typeface="+mn-ea"/>
+                <a:cs typeface="+mn-cs"/>
+              </a:defRPr>
+            </a:lvl8pPr>
+            <a:lvl9pPr marL="3657600" indent="0" algn="ctr" defTabSz="914400" rtl="0" eaLnBrk="1" latinLnBrk="0" hangingPunct="1">
+              <a:lnSpc>
+                <a:spcPct val="90000"/>
+              </a:lnSpc>
+              <a:spcBef>
+                <a:spcPts val="500"/>
+              </a:spcBef>
+              <a:buFont typeface="Arial" panose="020B0604020202020204" pitchFamily="34" charset="0"/>
+              <a:buNone/>
+              <a:defRPr sz="1600" kern="1200">
+                <a:solidFill>
+                  <a:schemeClr val="tx1"/>
+                </a:solidFill>
+                <a:latin typeface="+mn-lt"/>
+                <a:ea typeface="+mn-ea"/>
+                <a:cs typeface="+mn-cs"/>
+              </a:defRPr>
+            </a:lvl9pPr>
+          </a:lstStyle>
+          <a:p>
+            <a:pPr algn="l"/>
+            <a:r>
+              <a:rPr lang="en-IN" sz="1600" b="1" dirty="0"/>
+              <a:t>N-Tier Enterprise Architecture</a:t>
+            </a:r>
+            <a:endParaRPr lang="en-IN" b="1" dirty="0"/>
+          </a:p>
+          <a:p>
+            <a:pPr algn="l">
+              <a:lnSpc>
+                <a:spcPct val="150000"/>
+              </a:lnSpc>
+            </a:pPr>
+            <a:r>
+              <a:rPr lang="en-IN" sz="1600" dirty="0"/>
+              <a:t>1. Presentation Layer: React UI for job submission and result visualization.</a:t>
+            </a:r>
+          </a:p>
+          <a:p>
+            <a:pPr algn="l">
+              <a:lnSpc>
+                <a:spcPct val="150000"/>
+              </a:lnSpc>
+            </a:pPr>
+            <a:r>
+              <a:rPr lang="en-IN" sz="1600" dirty="0"/>
+              <a:t>2. Application Layer: Flask API handling business logic, auth, and orchestration.</a:t>
+            </a:r>
+          </a:p>
+          <a:p>
+            <a:pPr algn="l">
+              <a:lnSpc>
+                <a:spcPct val="150000"/>
+              </a:lnSpc>
+            </a:pPr>
+            <a:r>
+              <a:rPr lang="en-IN" sz="1600" dirty="0"/>
+              <a:t>3. Core Engine: Deterministic matching logic + AI/ML Service integration.</a:t>
+            </a:r>
+          </a:p>
+          <a:p>
+            <a:pPr algn="l">
+              <a:lnSpc>
+                <a:spcPct val="150000"/>
+              </a:lnSpc>
+            </a:pPr>
+            <a:r>
+              <a:rPr lang="en-IN" sz="1600" dirty="0"/>
+              <a:t>4. Data Layer: PostgreSQL storing Users, Jobs, Matches, and Audit Logs.</a:t>
+            </a:r>
+          </a:p>
+        </p:txBody>
+      </p:sp>
       <p:pic>
         <p:nvPicPr>
-          <p:cNvPr id="7" name="Picture 6">
-            <a:extLst>
-              <a:ext uri="{FF2B5EF4-FFF2-40B4-BE49-F238E27FC236}">
-                <a16:creationId xmlns:a16="http://schemas.microsoft.com/office/drawing/2014/main" id="{2B4ED82F-6841-F203-CD4A-79B953BB7901}"/>
+          <p:cNvPr id="9" name="Picture 8">
+            <a:extLst>
+              <a:ext uri="{FF2B5EF4-FFF2-40B4-BE49-F238E27FC236}">
+                <a16:creationId xmlns:a16="http://schemas.microsoft.com/office/drawing/2014/main" id="{087E4357-B73F-1ADD-CCD9-170D0BD653F7}"/>
               </a:ext>
             </a:extLst>
           </p:cNvPr>
@@ -6988,8 +7238,8 @@
         </p:blipFill>
         <p:spPr>
           <a:xfrm>
-            <a:off x="128016" y="563148"/>
-            <a:ext cx="8438262" cy="5774914"/>
+            <a:off x="133558" y="556151"/>
+            <a:ext cx="8438400" cy="5774400"/>
           </a:xfrm>
           <a:prstGeom prst="rect">
             <a:avLst/>
@@ -7026,251 +7276,6 @@
           </a:sp3d>
         </p:spPr>
       </p:pic>
-      <p:sp>
-        <p:nvSpPr>
-          <p:cNvPr id="8" name="Content Placeholder 2">
-            <a:extLst>
-              <a:ext uri="{FF2B5EF4-FFF2-40B4-BE49-F238E27FC236}">
-                <a16:creationId xmlns:a16="http://schemas.microsoft.com/office/drawing/2014/main" id="{8D5F033E-DDEC-6FC9-3404-F2867F80FE81}"/>
-              </a:ext>
-            </a:extLst>
-          </p:cNvPr>
-          <p:cNvSpPr txBox="1">
-            <a:spLocks/>
-          </p:cNvSpPr>
-          <p:nvPr/>
-        </p:nvSpPr>
-        <p:spPr>
-          <a:xfrm>
-            <a:off x="8912352" y="530352"/>
-            <a:ext cx="3090672" cy="5825998"/>
-          </a:xfrm>
-          <a:prstGeom prst="rect">
-            <a:avLst/>
-          </a:prstGeom>
-        </p:spPr>
-        <p:txBody>
-          <a:bodyPr vert="horz" lIns="91440" tIns="45720" rIns="91440" bIns="45720" rtlCol="0">
-            <a:normAutofit/>
-          </a:bodyPr>
-          <a:lstStyle>
-            <a:lvl1pPr marL="0" indent="0" algn="ctr" defTabSz="914400" rtl="0" eaLnBrk="1" latinLnBrk="0" hangingPunct="1">
-              <a:lnSpc>
-                <a:spcPct val="90000"/>
-              </a:lnSpc>
-              <a:spcBef>
-                <a:spcPts val="1000"/>
-              </a:spcBef>
-              <a:buFont typeface="Arial" panose="020B0604020202020204" pitchFamily="34" charset="0"/>
-              <a:buNone/>
-              <a:defRPr sz="2400" kern="1200">
-                <a:solidFill>
-                  <a:schemeClr val="tx1"/>
-                </a:solidFill>
-                <a:latin typeface="+mn-lt"/>
-                <a:ea typeface="+mn-ea"/>
-                <a:cs typeface="+mn-cs"/>
-              </a:defRPr>
-            </a:lvl1pPr>
-            <a:lvl2pPr marL="457200" indent="0" algn="ctr" defTabSz="914400" rtl="0" eaLnBrk="1" latinLnBrk="0" hangingPunct="1">
-              <a:lnSpc>
-                <a:spcPct val="90000"/>
-              </a:lnSpc>
-              <a:spcBef>
-                <a:spcPts val="500"/>
-              </a:spcBef>
-              <a:buFont typeface="Arial" panose="020B0604020202020204" pitchFamily="34" charset="0"/>
-              <a:buNone/>
-              <a:defRPr sz="2000" kern="1200">
-                <a:solidFill>
-                  <a:schemeClr val="tx1"/>
-                </a:solidFill>
-                <a:latin typeface="+mn-lt"/>
-                <a:ea typeface="+mn-ea"/>
-                <a:cs typeface="+mn-cs"/>
-              </a:defRPr>
-            </a:lvl2pPr>
-            <a:lvl3pPr marL="914400" indent="0" algn="ctr" defTabSz="914400" rtl="0" eaLnBrk="1" latinLnBrk="0" hangingPunct="1">
-              <a:lnSpc>
-                <a:spcPct val="90000"/>
-              </a:lnSpc>
-              <a:spcBef>
-                <a:spcPts val="500"/>
-              </a:spcBef>
-              <a:buFont typeface="Arial" panose="020B0604020202020204" pitchFamily="34" charset="0"/>
-              <a:buNone/>
-              <a:defRPr sz="1800" kern="1200">
-                <a:solidFill>
-                  <a:schemeClr val="tx1"/>
-                </a:solidFill>
-                <a:latin typeface="+mn-lt"/>
-                <a:ea typeface="+mn-ea"/>
-                <a:cs typeface="+mn-cs"/>
-              </a:defRPr>
-            </a:lvl3pPr>
-            <a:lvl4pPr marL="1371600" indent="0" algn="ctr" defTabSz="914400" rtl="0" eaLnBrk="1" latinLnBrk="0" hangingPunct="1">
-              <a:lnSpc>
-                <a:spcPct val="90000"/>
-              </a:lnSpc>
-              <a:spcBef>
-                <a:spcPts val="500"/>
-              </a:spcBef>
-              <a:buFont typeface="Arial" panose="020B0604020202020204" pitchFamily="34" charset="0"/>
-              <a:buNone/>
-              <a:defRPr sz="1600" kern="1200">
-                <a:solidFill>
-                  <a:schemeClr val="tx1"/>
-                </a:solidFill>
-                <a:latin typeface="+mn-lt"/>
-                <a:ea typeface="+mn-ea"/>
-                <a:cs typeface="+mn-cs"/>
-              </a:defRPr>
-            </a:lvl4pPr>
-            <a:lvl5pPr marL="1828800" indent="0" algn="ctr" defTabSz="914400" rtl="0" eaLnBrk="1" latinLnBrk="0" hangingPunct="1">
-              <a:lnSpc>
-                <a:spcPct val="90000"/>
-              </a:lnSpc>
-              <a:spcBef>
-                <a:spcPts val="500"/>
-              </a:spcBef>
-              <a:buFont typeface="Arial" panose="020B0604020202020204" pitchFamily="34" charset="0"/>
-              <a:buNone/>
-              <a:defRPr sz="1600" kern="1200">
-                <a:solidFill>
-                  <a:schemeClr val="tx1"/>
-                </a:solidFill>
-                <a:latin typeface="+mn-lt"/>
-                <a:ea typeface="+mn-ea"/>
-                <a:cs typeface="+mn-cs"/>
-              </a:defRPr>
-            </a:lvl5pPr>
-            <a:lvl6pPr marL="2286000" indent="0" algn="ctr" defTabSz="914400" rtl="0" eaLnBrk="1" latinLnBrk="0" hangingPunct="1">
-              <a:lnSpc>
-                <a:spcPct val="90000"/>
-              </a:lnSpc>
-              <a:spcBef>
-                <a:spcPts val="500"/>
-              </a:spcBef>
-              <a:buFont typeface="Arial" panose="020B0604020202020204" pitchFamily="34" charset="0"/>
-              <a:buNone/>
-              <a:defRPr sz="1600" kern="1200">
-                <a:solidFill>
-                  <a:schemeClr val="tx1"/>
-                </a:solidFill>
-                <a:latin typeface="+mn-lt"/>
-                <a:ea typeface="+mn-ea"/>
-                <a:cs typeface="+mn-cs"/>
-              </a:defRPr>
-            </a:lvl6pPr>
-            <a:lvl7pPr marL="2743200" indent="0" algn="ctr" defTabSz="914400" rtl="0" eaLnBrk="1" latinLnBrk="0" hangingPunct="1">
-              <a:lnSpc>
-                <a:spcPct val="90000"/>
-              </a:lnSpc>
-              <a:spcBef>
-                <a:spcPts val="500"/>
-              </a:spcBef>
-              <a:buFont typeface="Arial" panose="020B0604020202020204" pitchFamily="34" charset="0"/>
-              <a:buNone/>
-              <a:defRPr sz="1600" kern="1200">
-                <a:solidFill>
-                  <a:schemeClr val="tx1"/>
-                </a:solidFill>
-                <a:latin typeface="+mn-lt"/>
-                <a:ea typeface="+mn-ea"/>
-                <a:cs typeface="+mn-cs"/>
-              </a:defRPr>
-            </a:lvl7pPr>
-            <a:lvl8pPr marL="3200400" indent="0" algn="ctr" defTabSz="914400" rtl="0" eaLnBrk="1" latinLnBrk="0" hangingPunct="1">
-              <a:lnSpc>
-                <a:spcPct val="90000"/>
-              </a:lnSpc>
-              <a:spcBef>
-                <a:spcPts val="500"/>
-              </a:spcBef>
-              <a:buFont typeface="Arial" panose="020B0604020202020204" pitchFamily="34" charset="0"/>
-              <a:buNone/>
-              <a:defRPr sz="1600" kern="1200">
-                <a:solidFill>
-                  <a:schemeClr val="tx1"/>
-                </a:solidFill>
-                <a:latin typeface="+mn-lt"/>
-                <a:ea typeface="+mn-ea"/>
-                <a:cs typeface="+mn-cs"/>
-              </a:defRPr>
-            </a:lvl8pPr>
-            <a:lvl9pPr marL="3657600" indent="0" algn="ctr" defTabSz="914400" rtl="0" eaLnBrk="1" latinLnBrk="0" hangingPunct="1">
-              <a:lnSpc>
-                <a:spcPct val="90000"/>
-              </a:lnSpc>
-              <a:spcBef>
-                <a:spcPts val="500"/>
-              </a:spcBef>
-              <a:buFont typeface="Arial" panose="020B0604020202020204" pitchFamily="34" charset="0"/>
-              <a:buNone/>
-              <a:defRPr sz="1600" kern="1200">
-                <a:solidFill>
-                  <a:schemeClr val="tx1"/>
-                </a:solidFill>
-                <a:latin typeface="+mn-lt"/>
-                <a:ea typeface="+mn-ea"/>
-                <a:cs typeface="+mn-cs"/>
-              </a:defRPr>
-            </a:lvl9pPr>
-          </a:lstStyle>
-          <a:p>
-            <a:pPr algn="l"/>
-            <a:r>
-              <a:rPr lang="en-IN" sz="1600" b="1" dirty="0"/>
-              <a:t>N-Tier Enterprise Architecture</a:t>
-            </a:r>
-            <a:endParaRPr lang="en-IN" b="1" dirty="0"/>
-          </a:p>
-          <a:p>
-            <a:pPr algn="l">
-              <a:lnSpc>
-                <a:spcPct val="150000"/>
-              </a:lnSpc>
-            </a:pPr>
-            <a:r>
-              <a:rPr lang="en-IN" sz="1600" dirty="0"/>
-              <a:t>1. Presentation Layer: React UI for job submission and result visualization.</a:t>
-            </a:r>
-          </a:p>
-          <a:p>
-            <a:pPr algn="l">
-              <a:lnSpc>
-                <a:spcPct val="150000"/>
-              </a:lnSpc>
-            </a:pPr>
-            <a:r>
-              <a:rPr lang="en-IN" sz="1600" dirty="0"/>
-              <a:t>2. Application Layer: Flask API handling business logic, auth, and orchestration.</a:t>
-            </a:r>
-          </a:p>
-          <a:p>
-            <a:pPr algn="l">
-              <a:lnSpc>
-                <a:spcPct val="150000"/>
-              </a:lnSpc>
-            </a:pPr>
-            <a:r>
-              <a:rPr lang="en-IN" sz="1600" dirty="0"/>
-              <a:t>3. Core Engine: Deterministic matching logic + AI/ML Service integration.</a:t>
-            </a:r>
-          </a:p>
-          <a:p>
-            <a:pPr algn="l">
-              <a:lnSpc>
-                <a:spcPct val="150000"/>
-              </a:lnSpc>
-            </a:pPr>
-            <a:r>
-              <a:rPr lang="en-IN" sz="1600" dirty="0"/>
-              <a:t>4. Data Layer: PostgreSQL storing Users, Jobs, Matches, and Audit Logs.</a:t>
-            </a:r>
-          </a:p>
-        </p:txBody>
-      </p:sp>
     </p:spTree>
     <p:extLst>
       <p:ext uri="{BB962C8B-B14F-4D97-AF65-F5344CB8AC3E}">
@@ -7684,7 +7689,7 @@
             </a:r>
           </a:p>
           <a:p>
-            <a:pPr marL="342900" indent="-342900" algn="l">
+            <a:pPr marL="800100" lvl="1" indent="-342900" algn="l">
               <a:lnSpc>
                 <a:spcPct val="100000"/>
               </a:lnSpc>
@@ -7692,12 +7697,12 @@
               <a:buChar char="ü"/>
             </a:pPr>
             <a:r>
-              <a:rPr lang="en-US" sz="2000" dirty="0"/>
-              <a:t>   - Calculates Text Similarity Score.</a:t>
-            </a:r>
-          </a:p>
-          <a:p>
-            <a:pPr marL="342900" indent="-342900" algn="l">
+              <a:rPr lang="en-US" sz="1600" dirty="0"/>
+              <a:t>Calculates Text Similarity Score.</a:t>
+            </a:r>
+          </a:p>
+          <a:p>
+            <a:pPr marL="800100" lvl="1" indent="-342900" algn="l">
               <a:lnSpc>
                 <a:spcPct val="100000"/>
               </a:lnSpc>
@@ -7705,8 +7710,8 @@
               <a:buChar char="ü"/>
             </a:pPr>
             <a:r>
-              <a:rPr lang="en-US" sz="2000" dirty="0"/>
-              <a:t>   - Performs Strict Numeric Check (Pass/Fail).</a:t>
+              <a:rPr lang="en-US" sz="1600" dirty="0"/>
+              <a:t>Performs Strict Numeric Check (Pass/Fail).</a:t>
             </a:r>
           </a:p>
           <a:p>
@@ -7723,7 +7728,7 @@
             </a:r>
           </a:p>
           <a:p>
-            <a:pPr marL="342900" indent="-342900" algn="l">
+            <a:pPr marL="800100" lvl="1" indent="-342900" algn="l">
               <a:lnSpc>
                 <a:spcPct val="100000"/>
               </a:lnSpc>
@@ -7731,12 +7736,12 @@
               <a:buChar char="ü"/>
             </a:pPr>
             <a:r>
-              <a:rPr lang="en-US" sz="2000" dirty="0"/>
-              <a:t>   - If Numeric Check fails -&gt; REJECT (regardless of text similarity).</a:t>
-            </a:r>
-          </a:p>
-          <a:p>
-            <a:pPr marL="342900" indent="-342900" algn="l">
+              <a:rPr lang="en-US" sz="1600" dirty="0"/>
+              <a:t>If Numeric Check fails -&gt; REJECT (regardless of text similarity).</a:t>
+            </a:r>
+          </a:p>
+          <a:p>
+            <a:pPr marL="800100" lvl="1" indent="-342900" algn="l">
               <a:lnSpc>
                 <a:spcPct val="100000"/>
               </a:lnSpc>
@@ -7744,8 +7749,8 @@
               <a:buChar char="ü"/>
             </a:pPr>
             <a:r>
-              <a:rPr lang="en-US" sz="2000" dirty="0"/>
-              <a:t>   - If Text Score &gt; Threshold AND Numeric Check passes -&gt; MATCH.</a:t>
+              <a:rPr lang="en-US" sz="1600" dirty="0"/>
+              <a:t>If Text Score &gt; Threshold AND Numeric Check passes -&gt; MATCH.</a:t>
             </a:r>
           </a:p>
           <a:p>
